--- a/ILDB_figure3.pptx
+++ b/ILDB_figure3.pptx
@@ -4,6 +4,9 @@
   <p:sldMasterIdLst>
     <p:sldMasterId id="2147483648" r:id="rId1"/>
   </p:sldMasterIdLst>
+  <p:notesMasterIdLst>
+    <p:notesMasterId r:id="rId3"/>
+  </p:notesMasterIdLst>
   <p:sldIdLst>
     <p:sldId id="257" r:id="rId2"/>
   </p:sldIdLst>
@@ -107,6 +110,495 @@
 </p:presentation>
 </file>
 
+<file path=ppt/notesMasters/notesMaster1.xml><?xml version="1.0" encoding="utf-8"?>
+<p:notesMaster xmlns:a="http://schemas.openxmlformats.org/drawingml/2006/main" xmlns:r="http://schemas.openxmlformats.org/officeDocument/2006/relationships" xmlns:p="http://schemas.openxmlformats.org/presentationml/2006/main">
+  <p:cSld>
+    <p:bg>
+      <p:bgRef idx="1001">
+        <a:schemeClr val="bg1"/>
+      </p:bgRef>
+    </p:bg>
+    <p:spTree>
+      <p:nvGrpSpPr>
+        <p:cNvPr id="1" name=""/>
+        <p:cNvGrpSpPr/>
+        <p:nvPr/>
+      </p:nvGrpSpPr>
+      <p:grpSpPr>
+        <a:xfrm>
+          <a:off x="0" y="0"/>
+          <a:ext cx="0" cy="0"/>
+          <a:chOff x="0" y="0"/>
+          <a:chExt cx="0" cy="0"/>
+        </a:xfrm>
+      </p:grpSpPr>
+      <p:sp>
+        <p:nvSpPr>
+          <p:cNvPr id="2" name="Header Placeholder 1"/>
+          <p:cNvSpPr>
+            <a:spLocks noGrp="1"/>
+          </p:cNvSpPr>
+          <p:nvPr>
+            <p:ph type="hdr" sz="quarter"/>
+          </p:nvPr>
+        </p:nvSpPr>
+        <p:spPr>
+          <a:xfrm>
+            <a:off x="0" y="0"/>
+            <a:ext cx="2971800" cy="457200"/>
+          </a:xfrm>
+          <a:prstGeom prst="rect">
+            <a:avLst/>
+          </a:prstGeom>
+        </p:spPr>
+        <p:txBody>
+          <a:bodyPr vert="horz" lIns="91440" tIns="45720" rIns="91440" bIns="45720" rtlCol="0"/>
+          <a:lstStyle>
+            <a:lvl1pPr algn="l">
+              <a:defRPr sz="1200"/>
+            </a:lvl1pPr>
+          </a:lstStyle>
+          <a:p>
+            <a:endParaRPr lang="en-US"/>
+          </a:p>
+        </p:txBody>
+      </p:sp>
+      <p:sp>
+        <p:nvSpPr>
+          <p:cNvPr id="3" name="Date Placeholder 2"/>
+          <p:cNvSpPr>
+            <a:spLocks noGrp="1"/>
+          </p:cNvSpPr>
+          <p:nvPr>
+            <p:ph type="dt" idx="1"/>
+          </p:nvPr>
+        </p:nvSpPr>
+        <p:spPr>
+          <a:xfrm>
+            <a:off x="3884613" y="0"/>
+            <a:ext cx="2971800" cy="457200"/>
+          </a:xfrm>
+          <a:prstGeom prst="rect">
+            <a:avLst/>
+          </a:prstGeom>
+        </p:spPr>
+        <p:txBody>
+          <a:bodyPr vert="horz" lIns="91440" tIns="45720" rIns="91440" bIns="45720" rtlCol="0"/>
+          <a:lstStyle>
+            <a:lvl1pPr algn="r">
+              <a:defRPr sz="1200"/>
+            </a:lvl1pPr>
+          </a:lstStyle>
+          <a:p>
+            <a:fld id="{13D5DCBA-518E-144D-9478-B85E51512CE1}" type="datetimeFigureOut">
+              <a:rPr lang="en-US" smtClean="0"/>
+              <a:t>8/3/15</a:t>
+            </a:fld>
+            <a:endParaRPr lang="en-US"/>
+          </a:p>
+        </p:txBody>
+      </p:sp>
+      <p:sp>
+        <p:nvSpPr>
+          <p:cNvPr id="4" name="Slide Image Placeholder 3"/>
+          <p:cNvSpPr>
+            <a:spLocks noGrp="1" noRot="1" noChangeAspect="1"/>
+          </p:cNvSpPr>
+          <p:nvPr>
+            <p:ph type="sldImg" idx="2"/>
+          </p:nvPr>
+        </p:nvSpPr>
+        <p:spPr>
+          <a:xfrm>
+            <a:off x="1092200" y="685800"/>
+            <a:ext cx="4673600" cy="3429000"/>
+          </a:xfrm>
+          <a:prstGeom prst="rect">
+            <a:avLst/>
+          </a:prstGeom>
+          <a:noFill/>
+          <a:ln w="12700">
+            <a:solidFill>
+              <a:prstClr val="black"/>
+            </a:solidFill>
+          </a:ln>
+        </p:spPr>
+        <p:txBody>
+          <a:bodyPr vert="horz" lIns="91440" tIns="45720" rIns="91440" bIns="45720" rtlCol="0" anchor="ctr"/>
+          <a:lstStyle/>
+          <a:p>
+            <a:endParaRPr lang="en-US"/>
+          </a:p>
+        </p:txBody>
+      </p:sp>
+      <p:sp>
+        <p:nvSpPr>
+          <p:cNvPr id="5" name="Notes Placeholder 4"/>
+          <p:cNvSpPr>
+            <a:spLocks noGrp="1"/>
+          </p:cNvSpPr>
+          <p:nvPr>
+            <p:ph type="body" sz="quarter" idx="3"/>
+          </p:nvPr>
+        </p:nvSpPr>
+        <p:spPr>
+          <a:xfrm>
+            <a:off x="685800" y="4343400"/>
+            <a:ext cx="5486400" cy="4114800"/>
+          </a:xfrm>
+          <a:prstGeom prst="rect">
+            <a:avLst/>
+          </a:prstGeom>
+        </p:spPr>
+        <p:txBody>
+          <a:bodyPr vert="horz" lIns="91440" tIns="45720" rIns="91440" bIns="45720" rtlCol="0"/>
+          <a:lstStyle/>
+          <a:p>
+            <a:pPr lvl="0"/>
+            <a:r>
+              <a:rPr lang="en-US" smtClean="0"/>
+              <a:t>Click to edit Master text styles</a:t>
+            </a:r>
+          </a:p>
+          <a:p>
+            <a:pPr lvl="1"/>
+            <a:r>
+              <a:rPr lang="en-US" smtClean="0"/>
+              <a:t>Second level</a:t>
+            </a:r>
+          </a:p>
+          <a:p>
+            <a:pPr lvl="2"/>
+            <a:r>
+              <a:rPr lang="en-US" smtClean="0"/>
+              <a:t>Third level</a:t>
+            </a:r>
+          </a:p>
+          <a:p>
+            <a:pPr lvl="3"/>
+            <a:r>
+              <a:rPr lang="en-US" smtClean="0"/>
+              <a:t>Fourth level</a:t>
+            </a:r>
+          </a:p>
+          <a:p>
+            <a:pPr lvl="4"/>
+            <a:r>
+              <a:rPr lang="en-US" smtClean="0"/>
+              <a:t>Fifth level</a:t>
+            </a:r>
+            <a:endParaRPr lang="en-US"/>
+          </a:p>
+        </p:txBody>
+      </p:sp>
+      <p:sp>
+        <p:nvSpPr>
+          <p:cNvPr id="6" name="Footer Placeholder 5"/>
+          <p:cNvSpPr>
+            <a:spLocks noGrp="1"/>
+          </p:cNvSpPr>
+          <p:nvPr>
+            <p:ph type="ftr" sz="quarter" idx="4"/>
+          </p:nvPr>
+        </p:nvSpPr>
+        <p:spPr>
+          <a:xfrm>
+            <a:off x="0" y="8685213"/>
+            <a:ext cx="2971800" cy="457200"/>
+          </a:xfrm>
+          <a:prstGeom prst="rect">
+            <a:avLst/>
+          </a:prstGeom>
+        </p:spPr>
+        <p:txBody>
+          <a:bodyPr vert="horz" lIns="91440" tIns="45720" rIns="91440" bIns="45720" rtlCol="0" anchor="b"/>
+          <a:lstStyle>
+            <a:lvl1pPr algn="l">
+              <a:defRPr sz="1200"/>
+            </a:lvl1pPr>
+          </a:lstStyle>
+          <a:p>
+            <a:endParaRPr lang="en-US"/>
+          </a:p>
+        </p:txBody>
+      </p:sp>
+      <p:sp>
+        <p:nvSpPr>
+          <p:cNvPr id="7" name="Slide Number Placeholder 6"/>
+          <p:cNvSpPr>
+            <a:spLocks noGrp="1"/>
+          </p:cNvSpPr>
+          <p:nvPr>
+            <p:ph type="sldNum" sz="quarter" idx="5"/>
+          </p:nvPr>
+        </p:nvSpPr>
+        <p:spPr>
+          <a:xfrm>
+            <a:off x="3884613" y="8685213"/>
+            <a:ext cx="2971800" cy="457200"/>
+          </a:xfrm>
+          <a:prstGeom prst="rect">
+            <a:avLst/>
+          </a:prstGeom>
+        </p:spPr>
+        <p:txBody>
+          <a:bodyPr vert="horz" lIns="91440" tIns="45720" rIns="91440" bIns="45720" rtlCol="0" anchor="b"/>
+          <a:lstStyle>
+            <a:lvl1pPr algn="r">
+              <a:defRPr sz="1200"/>
+            </a:lvl1pPr>
+          </a:lstStyle>
+          <a:p>
+            <a:fld id="{72515FF6-7503-E74B-8DB9-810ED089D48A}" type="slidenum">
+              <a:rPr lang="en-US" smtClean="0"/>
+              <a:t>‹#›</a:t>
+            </a:fld>
+            <a:endParaRPr lang="en-US"/>
+          </a:p>
+        </p:txBody>
+      </p:sp>
+    </p:spTree>
+    <p:extLst>
+      <p:ext uri="{BB962C8B-B14F-4D97-AF65-F5344CB8AC3E}">
+        <p14:creationId xmlns:p14="http://schemas.microsoft.com/office/powerpoint/2010/main" val="1454886383"/>
+      </p:ext>
+    </p:extLst>
+  </p:cSld>
+  <p:clrMap bg1="lt1" tx1="dk1" bg2="lt2" tx2="dk2" accent1="accent1" accent2="accent2" accent3="accent3" accent4="accent4" accent5="accent5" accent6="accent6" hlink="hlink" folHlink="folHlink"/>
+  <p:notesStyle>
+    <a:lvl1pPr marL="0" algn="l" defTabSz="457200" rtl="0" eaLnBrk="1" latinLnBrk="0" hangingPunct="1">
+      <a:defRPr sz="1200" kern="1200">
+        <a:solidFill>
+          <a:schemeClr val="tx1"/>
+        </a:solidFill>
+        <a:latin typeface="+mn-lt"/>
+        <a:ea typeface="+mn-ea"/>
+        <a:cs typeface="+mn-cs"/>
+      </a:defRPr>
+    </a:lvl1pPr>
+    <a:lvl2pPr marL="457200" algn="l" defTabSz="457200" rtl="0" eaLnBrk="1" latinLnBrk="0" hangingPunct="1">
+      <a:defRPr sz="1200" kern="1200">
+        <a:solidFill>
+          <a:schemeClr val="tx1"/>
+        </a:solidFill>
+        <a:latin typeface="+mn-lt"/>
+        <a:ea typeface="+mn-ea"/>
+        <a:cs typeface="+mn-cs"/>
+      </a:defRPr>
+    </a:lvl2pPr>
+    <a:lvl3pPr marL="914400" algn="l" defTabSz="457200" rtl="0" eaLnBrk="1" latinLnBrk="0" hangingPunct="1">
+      <a:defRPr sz="1200" kern="1200">
+        <a:solidFill>
+          <a:schemeClr val="tx1"/>
+        </a:solidFill>
+        <a:latin typeface="+mn-lt"/>
+        <a:ea typeface="+mn-ea"/>
+        <a:cs typeface="+mn-cs"/>
+      </a:defRPr>
+    </a:lvl3pPr>
+    <a:lvl4pPr marL="1371600" algn="l" defTabSz="457200" rtl="0" eaLnBrk="1" latinLnBrk="0" hangingPunct="1">
+      <a:defRPr sz="1200" kern="1200">
+        <a:solidFill>
+          <a:schemeClr val="tx1"/>
+        </a:solidFill>
+        <a:latin typeface="+mn-lt"/>
+        <a:ea typeface="+mn-ea"/>
+        <a:cs typeface="+mn-cs"/>
+      </a:defRPr>
+    </a:lvl4pPr>
+    <a:lvl5pPr marL="1828800" algn="l" defTabSz="457200" rtl="0" eaLnBrk="1" latinLnBrk="0" hangingPunct="1">
+      <a:defRPr sz="1200" kern="1200">
+        <a:solidFill>
+          <a:schemeClr val="tx1"/>
+        </a:solidFill>
+        <a:latin typeface="+mn-lt"/>
+        <a:ea typeface="+mn-ea"/>
+        <a:cs typeface="+mn-cs"/>
+      </a:defRPr>
+    </a:lvl5pPr>
+    <a:lvl6pPr marL="2286000" algn="l" defTabSz="457200" rtl="0" eaLnBrk="1" latinLnBrk="0" hangingPunct="1">
+      <a:defRPr sz="1200" kern="1200">
+        <a:solidFill>
+          <a:schemeClr val="tx1"/>
+        </a:solidFill>
+        <a:latin typeface="+mn-lt"/>
+        <a:ea typeface="+mn-ea"/>
+        <a:cs typeface="+mn-cs"/>
+      </a:defRPr>
+    </a:lvl6pPr>
+    <a:lvl7pPr marL="2743200" algn="l" defTabSz="457200" rtl="0" eaLnBrk="1" latinLnBrk="0" hangingPunct="1">
+      <a:defRPr sz="1200" kern="1200">
+        <a:solidFill>
+          <a:schemeClr val="tx1"/>
+        </a:solidFill>
+        <a:latin typeface="+mn-lt"/>
+        <a:ea typeface="+mn-ea"/>
+        <a:cs typeface="+mn-cs"/>
+      </a:defRPr>
+    </a:lvl7pPr>
+    <a:lvl8pPr marL="3200400" algn="l" defTabSz="457200" rtl="0" eaLnBrk="1" latinLnBrk="0" hangingPunct="1">
+      <a:defRPr sz="1200" kern="1200">
+        <a:solidFill>
+          <a:schemeClr val="tx1"/>
+        </a:solidFill>
+        <a:latin typeface="+mn-lt"/>
+        <a:ea typeface="+mn-ea"/>
+        <a:cs typeface="+mn-cs"/>
+      </a:defRPr>
+    </a:lvl8pPr>
+    <a:lvl9pPr marL="3657600" algn="l" defTabSz="457200" rtl="0" eaLnBrk="1" latinLnBrk="0" hangingPunct="1">
+      <a:defRPr sz="1200" kern="1200">
+        <a:solidFill>
+          <a:schemeClr val="tx1"/>
+        </a:solidFill>
+        <a:latin typeface="+mn-lt"/>
+        <a:ea typeface="+mn-ea"/>
+        <a:cs typeface="+mn-cs"/>
+      </a:defRPr>
+    </a:lvl9pPr>
+  </p:notesStyle>
+</p:notesMaster>
+</file>
+
+<file path=ppt/notesSlides/notesSlide1.xml><?xml version="1.0" encoding="utf-8"?>
+<p:notes xmlns:a="http://schemas.openxmlformats.org/drawingml/2006/main" xmlns:r="http://schemas.openxmlformats.org/officeDocument/2006/relationships" xmlns:p="http://schemas.openxmlformats.org/presentationml/2006/main">
+  <p:cSld>
+    <p:spTree>
+      <p:nvGrpSpPr>
+        <p:cNvPr id="1" name=""/>
+        <p:cNvGrpSpPr/>
+        <p:nvPr/>
+      </p:nvGrpSpPr>
+      <p:grpSpPr>
+        <a:xfrm>
+          <a:off x="0" y="0"/>
+          <a:ext cx="0" cy="0"/>
+          <a:chOff x="0" y="0"/>
+          <a:chExt cx="0" cy="0"/>
+        </a:xfrm>
+      </p:grpSpPr>
+      <p:sp>
+        <p:nvSpPr>
+          <p:cNvPr id="2" name="Slide Image Placeholder 1"/>
+          <p:cNvSpPr>
+            <a:spLocks noGrp="1" noRot="1" noChangeAspect="1"/>
+          </p:cNvSpPr>
+          <p:nvPr>
+            <p:ph type="sldImg"/>
+          </p:nvPr>
+        </p:nvSpPr>
+        <p:spPr/>
+      </p:sp>
+      <p:sp>
+        <p:nvSpPr>
+          <p:cNvPr id="3" name="Notes Placeholder 2"/>
+          <p:cNvSpPr>
+            <a:spLocks noGrp="1"/>
+          </p:cNvSpPr>
+          <p:nvPr>
+            <p:ph type="body" idx="1"/>
+          </p:nvPr>
+        </p:nvSpPr>
+        <p:spPr/>
+        <p:txBody>
+          <a:bodyPr/>
+          <a:lstStyle/>
+          <a:p>
+            <a:pPr marL="0" marR="0" indent="0" algn="l" defTabSz="457200" rtl="0" eaLnBrk="1" fontAlgn="auto" latinLnBrk="0" hangingPunct="1">
+              <a:lnSpc>
+                <a:spcPct val="100000"/>
+              </a:lnSpc>
+              <a:spcBef>
+                <a:spcPts val="0"/>
+              </a:spcBef>
+              <a:spcAft>
+                <a:spcPts val="0"/>
+              </a:spcAft>
+              <a:buClrTx/>
+              <a:buSzTx/>
+              <a:buFontTx/>
+              <a:buNone/>
+              <a:tabLst/>
+              <a:defRPr/>
+            </a:pPr>
+            <a:r>
+              <a:rPr lang="en-US" sz="1200" b="0" kern="1200" dirty="0" smtClean="0">
+                <a:solidFill>
+                  <a:schemeClr val="tx1"/>
+                </a:solidFill>
+                <a:effectLst/>
+                <a:latin typeface="+mn-lt"/>
+                <a:ea typeface="+mn-ea"/>
+                <a:cs typeface="+mn-cs"/>
+              </a:rPr>
+              <a:t>Figure 2. This info-graphic shows our new, proposed workflow for genomic data through all the entities relevant to disease-related genomic analysis. (A, G) Research participant samples are deposited separately as before, but the ILDB resource now allows clinical testing labs to deposit their patient samples (those with appropriate consent) and be included in the process from the start. The combination of patient and participant records will provide increased statistical power to detect disease associated genomic variation – as evidenced by the chart to the top-right corner. (B, H) While incorporation of research samples into analysis stays unchanged, appropriate processes to hide/transform the relevant fields in patient data need to be developed. Subsequent downstream analysis will be restricted to “variant” and “gene” level information, with curators having no access to patient-specific phenotype or health data (C, D) The ClinGen crowd curation infrastructure (phone-app, web-interface) will bring together teams of domain experts for scalable interpretation of the much larger pool of associated variants. The curation and triage process for each disease domain will adhere to common standards, and remove lab-specific biases in interpretation. (E, F) Variant interpretations will be deposited in the new </a:t>
+            </a:r>
+            <a:r>
+              <a:rPr lang="en-US" sz="1200" b="0" kern="1200" dirty="0" err="1" smtClean="0">
+                <a:solidFill>
+                  <a:schemeClr val="tx1"/>
+                </a:solidFill>
+                <a:effectLst/>
+                <a:latin typeface="+mn-lt"/>
+                <a:ea typeface="+mn-ea"/>
+                <a:cs typeface="+mn-cs"/>
+              </a:rPr>
+              <a:t>ClinGenKB</a:t>
+            </a:r>
+            <a:r>
+              <a:rPr lang="en-US" sz="1200" b="0" kern="1200" dirty="0" smtClean="0">
+                <a:solidFill>
+                  <a:schemeClr val="tx1"/>
+                </a:solidFill>
+                <a:effectLst/>
+                <a:latin typeface="+mn-lt"/>
+                <a:ea typeface="+mn-ea"/>
+                <a:cs typeface="+mn-cs"/>
+              </a:rPr>
+              <a:t> repository, with any additional patient records, research samples or associated variants being iterated through the entire process (A through F), as before.</a:t>
+            </a:r>
+          </a:p>
+          <a:p>
+            <a:endParaRPr lang="en-US" b="0" dirty="0"/>
+          </a:p>
+        </p:txBody>
+      </p:sp>
+      <p:sp>
+        <p:nvSpPr>
+          <p:cNvPr id="4" name="Slide Number Placeholder 3"/>
+          <p:cNvSpPr>
+            <a:spLocks noGrp="1"/>
+          </p:cNvSpPr>
+          <p:nvPr>
+            <p:ph type="sldNum" sz="quarter" idx="10"/>
+          </p:nvPr>
+        </p:nvSpPr>
+        <p:spPr/>
+        <p:txBody>
+          <a:bodyPr/>
+          <a:lstStyle/>
+          <a:p>
+            <a:fld id="{72515FF6-7503-E74B-8DB9-810ED089D48A}" type="slidenum">
+              <a:rPr lang="en-US" smtClean="0"/>
+              <a:t>1</a:t>
+            </a:fld>
+            <a:endParaRPr lang="en-US"/>
+          </a:p>
+        </p:txBody>
+      </p:sp>
+    </p:spTree>
+    <p:extLst>
+      <p:ext uri="{BB962C8B-B14F-4D97-AF65-F5344CB8AC3E}">
+        <p14:creationId xmlns:p14="http://schemas.microsoft.com/office/powerpoint/2010/main" val="660641979"/>
+      </p:ext>
+    </p:extLst>
+  </p:cSld>
+  <p:clrMapOvr>
+    <a:masterClrMapping/>
+  </p:clrMapOvr>
+</p:notes>
+</file>
+
 <file path=ppt/slideLayouts/slideLayout1.xml><?xml version="1.0" encoding="utf-8"?>
 <p:sldLayout xmlns:a="http://schemas.openxmlformats.org/drawingml/2006/main" xmlns:r="http://schemas.openxmlformats.org/officeDocument/2006/relationships" xmlns:p="http://schemas.openxmlformats.org/presentationml/2006/main" type="title" preserve="1">
   <p:cSld name="Title Slide">
@@ -288,7 +780,7 @@
           <a:p>
             <a:fld id="{B85D604C-A9BE-0D43-B97E-17A809B4C548}" type="datetimeFigureOut">
               <a:rPr lang="en-US" smtClean="0"/>
-              <a:t>7/26/15</a:t>
+              <a:t>8/3/15</a:t>
             </a:fld>
             <a:endParaRPr lang="en-US"/>
           </a:p>
@@ -458,7 +950,7 @@
           <a:p>
             <a:fld id="{B85D604C-A9BE-0D43-B97E-17A809B4C548}" type="datetimeFigureOut">
               <a:rPr lang="en-US" smtClean="0"/>
-              <a:t>7/26/15</a:t>
+              <a:t>8/3/15</a:t>
             </a:fld>
             <a:endParaRPr lang="en-US"/>
           </a:p>
@@ -638,7 +1130,7 @@
           <a:p>
             <a:fld id="{B85D604C-A9BE-0D43-B97E-17A809B4C548}" type="datetimeFigureOut">
               <a:rPr lang="en-US" smtClean="0"/>
-              <a:t>7/26/15</a:t>
+              <a:t>8/3/15</a:t>
             </a:fld>
             <a:endParaRPr lang="en-US"/>
           </a:p>
@@ -808,7 +1300,7 @@
           <a:p>
             <a:fld id="{B85D604C-A9BE-0D43-B97E-17A809B4C548}" type="datetimeFigureOut">
               <a:rPr lang="en-US" smtClean="0"/>
-              <a:t>7/26/15</a:t>
+              <a:t>8/3/15</a:t>
             </a:fld>
             <a:endParaRPr lang="en-US"/>
           </a:p>
@@ -1054,7 +1546,7 @@
           <a:p>
             <a:fld id="{B85D604C-A9BE-0D43-B97E-17A809B4C548}" type="datetimeFigureOut">
               <a:rPr lang="en-US" smtClean="0"/>
-              <a:t>7/26/15</a:t>
+              <a:t>8/3/15</a:t>
             </a:fld>
             <a:endParaRPr lang="en-US"/>
           </a:p>
@@ -1342,7 +1834,7 @@
           <a:p>
             <a:fld id="{B85D604C-A9BE-0D43-B97E-17A809B4C548}" type="datetimeFigureOut">
               <a:rPr lang="en-US" smtClean="0"/>
-              <a:t>7/26/15</a:t>
+              <a:t>8/3/15</a:t>
             </a:fld>
             <a:endParaRPr lang="en-US"/>
           </a:p>
@@ -1769,7 +2261,7 @@
           <a:p>
             <a:fld id="{B85D604C-A9BE-0D43-B97E-17A809B4C548}" type="datetimeFigureOut">
               <a:rPr lang="en-US" smtClean="0"/>
-              <a:t>7/26/15</a:t>
+              <a:t>8/3/15</a:t>
             </a:fld>
             <a:endParaRPr lang="en-US"/>
           </a:p>
@@ -1887,7 +2379,7 @@
           <a:p>
             <a:fld id="{B85D604C-A9BE-0D43-B97E-17A809B4C548}" type="datetimeFigureOut">
               <a:rPr lang="en-US" smtClean="0"/>
-              <a:t>7/26/15</a:t>
+              <a:t>8/3/15</a:t>
             </a:fld>
             <a:endParaRPr lang="en-US"/>
           </a:p>
@@ -1982,7 +2474,7 @@
           <a:p>
             <a:fld id="{B85D604C-A9BE-0D43-B97E-17A809B4C548}" type="datetimeFigureOut">
               <a:rPr lang="en-US" smtClean="0"/>
-              <a:t>7/26/15</a:t>
+              <a:t>8/3/15</a:t>
             </a:fld>
             <a:endParaRPr lang="en-US"/>
           </a:p>
@@ -2259,7 +2751,7 @@
           <a:p>
             <a:fld id="{B85D604C-A9BE-0D43-B97E-17A809B4C548}" type="datetimeFigureOut">
               <a:rPr lang="en-US" smtClean="0"/>
-              <a:t>7/26/15</a:t>
+              <a:t>8/3/15</a:t>
             </a:fld>
             <a:endParaRPr lang="en-US"/>
           </a:p>
@@ -2512,7 +3004,7 @@
           <a:p>
             <a:fld id="{B85D604C-A9BE-0D43-B97E-17A809B4C548}" type="datetimeFigureOut">
               <a:rPr lang="en-US" smtClean="0"/>
-              <a:t>7/26/15</a:t>
+              <a:t>8/3/15</a:t>
             </a:fld>
             <a:endParaRPr lang="en-US"/>
           </a:p>
@@ -2725,7 +3217,7 @@
           <a:p>
             <a:fld id="{B85D604C-A9BE-0D43-B97E-17A809B4C548}" type="datetimeFigureOut">
               <a:rPr lang="en-US" smtClean="0"/>
-              <a:t>7/26/15</a:t>
+              <a:t>8/3/15</a:t>
             </a:fld>
             <a:endParaRPr lang="en-US"/>
           </a:p>
@@ -3109,7 +3601,7 @@
           <p:nvPr/>
         </p:nvPicPr>
         <p:blipFill>
-          <a:blip r:embed="rId2"/>
+          <a:blip r:embed="rId3"/>
           <a:stretch>
             <a:fillRect/>
           </a:stretch>
@@ -3431,7 +3923,7 @@
           <p:nvPr/>
         </p:nvPicPr>
         <p:blipFill>
-          <a:blip r:embed="rId3"/>
+          <a:blip r:embed="rId4"/>
           <a:stretch>
             <a:fillRect/>
           </a:stretch>
@@ -3538,7 +4030,7 @@
             <p:nvPr/>
           </p:nvPicPr>
           <p:blipFill>
-            <a:blip r:embed="rId4"/>
+            <a:blip r:embed="rId5"/>
             <a:stretch>
               <a:fillRect/>
             </a:stretch>
@@ -3562,7 +4054,7 @@
             <p:nvPr/>
           </p:nvPicPr>
           <p:blipFill>
-            <a:blip r:embed="rId4"/>
+            <a:blip r:embed="rId5"/>
             <a:stretch>
               <a:fillRect/>
             </a:stretch>
@@ -3633,7 +4125,6 @@
                 <a:rPr lang="en-US" sz="1200" dirty="0" smtClean="0"/>
                 <a:t>Literature</a:t>
               </a:r>
-              <a:endParaRPr lang="en-US" sz="1200" dirty="0" smtClean="0"/>
             </a:p>
           </p:txBody>
         </p:sp>
@@ -3676,7 +4167,7 @@
             <p:nvPr/>
           </p:nvPicPr>
           <p:blipFill>
-            <a:blip r:embed="rId4"/>
+            <a:blip r:embed="rId5"/>
             <a:stretch>
               <a:fillRect/>
             </a:stretch>
@@ -3776,7 +4267,7 @@
             <p:nvPr/>
           </p:nvPicPr>
           <p:blipFill>
-            <a:blip r:embed="rId4"/>
+            <a:blip r:embed="rId5"/>
             <a:stretch>
               <a:fillRect/>
             </a:stretch>
@@ -3817,11 +4308,7 @@
           <a:p>
             <a:r>
               <a:rPr lang="en-US" sz="1200" dirty="0" smtClean="0"/>
-              <a:t>Hospitals, Universities, </a:t>
-            </a:r>
-            <a:r>
-              <a:rPr lang="en-US" sz="1200" dirty="0" smtClean="0"/>
-              <a:t>Federal Institutes</a:t>
+              <a:t>Hospitals, Universities, Federal Institutes</a:t>
             </a:r>
             <a:endParaRPr lang="en-US" sz="1200" dirty="0"/>
           </a:p>
@@ -3860,20 +4347,12 @@
               <a:rPr lang="en-US" sz="1200" dirty="0" smtClean="0"/>
               <a:t>participant</a:t>
             </a:r>
-            <a:r>
-              <a:rPr lang="en-US" sz="1200" dirty="0" smtClean="0"/>
-              <a:t/>
-            </a:r>
             <a:br>
               <a:rPr lang="en-US" sz="1200" dirty="0" smtClean="0"/>
             </a:br>
             <a:r>
               <a:rPr lang="en-US" sz="1200" dirty="0" smtClean="0"/>
               <a:t>repository</a:t>
-            </a:r>
-            <a:r>
-              <a:rPr lang="en-US" sz="1200" dirty="0" smtClean="0"/>
-              <a:t/>
             </a:r>
             <a:br>
               <a:rPr lang="en-US" sz="1200" dirty="0" smtClean="0"/>
@@ -4085,23 +4564,7 @@
                     <a:srgbClr val="000000"/>
                   </a:solidFill>
                 </a:rPr>
-                <a:t>1 </a:t>
-              </a:r>
-              <a:r>
-                <a:rPr lang="en-US" sz="1200" baseline="30000" dirty="0" smtClean="0">
-                  <a:solidFill>
-                    <a:srgbClr val="000000"/>
-                  </a:solidFill>
-                </a:rPr>
-                <a:t>to </a:t>
-              </a:r>
-              <a:r>
-                <a:rPr lang="en-US" sz="1200" baseline="30000" dirty="0" smtClean="0">
-                  <a:solidFill>
-                    <a:srgbClr val="000000"/>
-                  </a:solidFill>
-                </a:rPr>
-                <a:t>2</a:t>
+                <a:t>1 to 2</a:t>
               </a:r>
               <a:endParaRPr lang="en-US" sz="1200" baseline="30000" dirty="0">
                 <a:solidFill>
@@ -4214,7 +4677,7 @@
           <p:nvPr/>
         </p:nvPicPr>
         <p:blipFill>
-          <a:blip r:embed="rId2"/>
+          <a:blip r:embed="rId3"/>
           <a:stretch>
             <a:fillRect/>
           </a:stretch>
@@ -4239,7 +4702,7 @@
           <p:nvPr/>
         </p:nvPicPr>
         <p:blipFill>
-          <a:blip r:embed="rId2"/>
+          <a:blip r:embed="rId3"/>
           <a:stretch>
             <a:fillRect/>
           </a:stretch>
@@ -4354,15 +4817,7 @@
             </a:r>
             <a:r>
               <a:rPr lang="en-US" sz="1200" baseline="30000" dirty="0" smtClean="0"/>
-              <a:t>1 </a:t>
-            </a:r>
-            <a:r>
-              <a:rPr lang="en-US" sz="1200" baseline="30000" dirty="0" smtClean="0"/>
-              <a:t>to </a:t>
-            </a:r>
-            <a:r>
-              <a:rPr lang="en-US" sz="1200" baseline="30000" dirty="0" smtClean="0"/>
-              <a:t>2</a:t>
+              <a:t>1 to 2</a:t>
             </a:r>
             <a:endParaRPr lang="en-US" sz="1200" baseline="30000" dirty="0"/>
           </a:p>
@@ -4437,7 +4892,7 @@
             <p:nvPr/>
           </p:nvPicPr>
           <p:blipFill>
-            <a:blip r:embed="rId5"/>
+            <a:blip r:embed="rId6"/>
             <a:stretch>
               <a:fillRect/>
             </a:stretch>
@@ -4481,15 +4936,7 @@
                     <a:srgbClr val="000000"/>
                   </a:solidFill>
                 </a:rPr>
-                <a:t>Standardized interpretation </a:t>
-              </a:r>
-              <a:r>
-                <a:rPr lang="en-US" sz="1200" dirty="0" smtClean="0">
-                  <a:solidFill>
-                    <a:srgbClr val="000000"/>
-                  </a:solidFill>
-                </a:rPr>
-                <a:t>guidelines</a:t>
+                <a:t>Standardized interpretation guidelines</a:t>
               </a:r>
               <a:endParaRPr lang="en-US" sz="1200" dirty="0">
                 <a:solidFill>
@@ -4554,7 +5001,7 @@
           <p:nvPr/>
         </p:nvPicPr>
         <p:blipFill>
-          <a:blip r:embed="rId6"/>
+          <a:blip r:embed="rId7"/>
           <a:stretch>
             <a:fillRect/>
           </a:stretch>
@@ -4623,7 +5070,7 @@
           <p:nvPr/>
         </p:nvPicPr>
         <p:blipFill>
-          <a:blip r:embed="rId7"/>
+          <a:blip r:embed="rId8"/>
           <a:stretch>
             <a:fillRect/>
           </a:stretch>
@@ -4692,7 +5139,7 @@
           <p:nvPr/>
         </p:nvPicPr>
         <p:blipFill>
-          <a:blip r:embed="rId8"/>
+          <a:blip r:embed="rId9"/>
           <a:stretch>
             <a:fillRect/>
           </a:stretch>
@@ -4761,7 +5208,7 @@
           <p:nvPr/>
         </p:nvPicPr>
         <p:blipFill>
-          <a:blip r:embed="rId9"/>
+          <a:blip r:embed="rId10"/>
           <a:stretch>
             <a:fillRect/>
           </a:stretch>
@@ -4785,7 +5232,7 @@
           <p:nvPr/>
         </p:nvPicPr>
         <p:blipFill>
-          <a:blip r:embed="rId4"/>
+          <a:blip r:embed="rId5"/>
           <a:stretch>
             <a:fillRect/>
           </a:stretch>
@@ -4880,7 +5327,6 @@
               <a:rPr lang="en-US" sz="1200" dirty="0" smtClean="0"/>
               <a:t>(with relevant metadata)</a:t>
             </a:r>
-            <a:endParaRPr lang="en-US" sz="1200" dirty="0" smtClean="0"/>
           </a:p>
         </p:txBody>
       </p:sp>
@@ -5074,20 +5520,12 @@
               <a:rPr lang="en-US" sz="1200" dirty="0" smtClean="0"/>
               <a:t>Clinical sample</a:t>
             </a:r>
-            <a:r>
-              <a:rPr lang="en-US" sz="1200" dirty="0" smtClean="0"/>
-              <a:t/>
-            </a:r>
             <a:br>
               <a:rPr lang="en-US" sz="1200" dirty="0" smtClean="0"/>
             </a:br>
             <a:r>
               <a:rPr lang="en-US" sz="1200" dirty="0" smtClean="0"/>
               <a:t>repository</a:t>
-            </a:r>
-            <a:r>
-              <a:rPr lang="en-US" sz="1200" dirty="0" smtClean="0"/>
-              <a:t/>
             </a:r>
             <a:br>
               <a:rPr lang="en-US" sz="1200" dirty="0" smtClean="0"/>
@@ -5140,7 +5578,7 @@
           <p:nvPr/>
         </p:nvPicPr>
         <p:blipFill>
-          <a:blip r:embed="rId2"/>
+          <a:blip r:embed="rId3"/>
           <a:stretch>
             <a:fillRect/>
           </a:stretch>
@@ -5209,7 +5647,7 @@
           <p:nvPr/>
         </p:nvPicPr>
         <p:blipFill>
-          <a:blip r:embed="rId9"/>
+          <a:blip r:embed="rId10"/>
           <a:stretch>
             <a:fillRect/>
           </a:stretch>
@@ -5233,7 +5671,7 @@
           <p:nvPr/>
         </p:nvPicPr>
         <p:blipFill>
-          <a:blip r:embed="rId10"/>
+          <a:blip r:embed="rId11"/>
           <a:stretch>
             <a:fillRect/>
           </a:stretch>
@@ -5258,7 +5696,7 @@
           <p:nvPr/>
         </p:nvPicPr>
         <p:blipFill>
-          <a:blip r:embed="rId2"/>
+          <a:blip r:embed="rId3"/>
           <a:stretch>
             <a:fillRect/>
           </a:stretch>
@@ -5327,7 +5765,7 @@
           <p:nvPr/>
         </p:nvPicPr>
         <p:blipFill>
-          <a:blip r:embed="rId10"/>
+          <a:blip r:embed="rId11"/>
           <a:stretch>
             <a:fillRect/>
           </a:stretch>
@@ -5352,7 +5790,7 @@
           <p:nvPr/>
         </p:nvPicPr>
         <p:blipFill>
-          <a:blip r:embed="rId2"/>
+          <a:blip r:embed="rId3"/>
           <a:stretch>
             <a:fillRect/>
           </a:stretch>
@@ -5421,7 +5859,7 @@
           <p:nvPr/>
         </p:nvPicPr>
         <p:blipFill>
-          <a:blip r:embed="rId10"/>
+          <a:blip r:embed="rId11"/>
           <a:stretch>
             <a:fillRect/>
           </a:stretch>
@@ -5488,7 +5926,7 @@
           <p:nvPr/>
         </p:nvPicPr>
         <p:blipFill>
-          <a:blip r:embed="rId11"/>
+          <a:blip r:embed="rId12"/>
           <a:stretch>
             <a:fillRect/>
           </a:stretch>
@@ -5543,7 +5981,7 @@
           <p:nvPr/>
         </p:nvPicPr>
         <p:blipFill>
-          <a:blip r:embed="rId12"/>
+          <a:blip r:embed="rId13"/>
           <a:stretch>
             <a:fillRect/>
           </a:stretch>
@@ -5609,7 +6047,7 @@
           <p:nvPr/>
         </p:nvPicPr>
         <p:blipFill>
-          <a:blip r:embed="rId10"/>
+          <a:blip r:embed="rId11"/>
           <a:stretch>
             <a:fillRect/>
           </a:stretch>
@@ -5634,7 +6072,7 @@
           <p:nvPr/>
         </p:nvPicPr>
         <p:blipFill>
-          <a:blip r:embed="rId10"/>
+          <a:blip r:embed="rId11"/>
           <a:stretch>
             <a:fillRect/>
           </a:stretch>
@@ -5653,6 +6091,31 @@
       <p:pic>
         <p:nvPicPr>
           <p:cNvPr id="212" name="Picture 211"/>
+          <p:cNvPicPr>
+            <a:picLocks noChangeAspect="1"/>
+          </p:cNvPicPr>
+          <p:nvPr/>
+        </p:nvPicPr>
+        <p:blipFill>
+          <a:blip r:embed="rId8"/>
+          <a:stretch>
+            <a:fillRect/>
+          </a:stretch>
+        </p:blipFill>
+        <p:spPr>
+          <a:xfrm>
+            <a:off x="3042127" y="8127602"/>
+            <a:ext cx="536406" cy="536406"/>
+          </a:xfrm>
+          <a:prstGeom prst="rect">
+            <a:avLst/>
+          </a:prstGeom>
+          <a:effectLst/>
+        </p:spPr>
+      </p:pic>
+      <p:pic>
+        <p:nvPicPr>
+          <p:cNvPr id="213" name="Picture 212"/>
           <p:cNvPicPr>
             <a:picLocks noChangeAspect="1"/>
           </p:cNvPicPr>
@@ -5666,31 +6129,6 @@
         </p:blipFill>
         <p:spPr>
           <a:xfrm>
-            <a:off x="3042127" y="8127602"/>
-            <a:ext cx="536406" cy="536406"/>
-          </a:xfrm>
-          <a:prstGeom prst="rect">
-            <a:avLst/>
-          </a:prstGeom>
-          <a:effectLst/>
-        </p:spPr>
-      </p:pic>
-      <p:pic>
-        <p:nvPicPr>
-          <p:cNvPr id="213" name="Picture 212"/>
-          <p:cNvPicPr>
-            <a:picLocks noChangeAspect="1"/>
-          </p:cNvPicPr>
-          <p:nvPr/>
-        </p:nvPicPr>
-        <p:blipFill>
-          <a:blip r:embed="rId6"/>
-          <a:stretch>
-            <a:fillRect/>
-          </a:stretch>
-        </p:blipFill>
-        <p:spPr>
-          <a:xfrm>
             <a:off x="3796681" y="8559745"/>
             <a:ext cx="539496" cy="539496"/>
           </a:xfrm>
@@ -5709,7 +6147,7 @@
           <p:nvPr/>
         </p:nvPicPr>
         <p:blipFill>
-          <a:blip r:embed="rId8"/>
+          <a:blip r:embed="rId9"/>
           <a:stretch>
             <a:fillRect/>
           </a:stretch>
@@ -5868,7 +6306,7 @@
           <p:nvPr/>
         </p:nvPicPr>
         <p:blipFill>
-          <a:blip r:embed="rId2"/>
+          <a:blip r:embed="rId3"/>
           <a:stretch>
             <a:fillRect/>
           </a:stretch>
@@ -5937,7 +6375,7 @@
           <p:nvPr/>
         </p:nvPicPr>
         <p:blipFill>
-          <a:blip r:embed="rId2"/>
+          <a:blip r:embed="rId3"/>
           <a:stretch>
             <a:fillRect/>
           </a:stretch>
@@ -6900,7 +7338,7 @@
           <p:nvPr/>
         </p:nvPicPr>
         <p:blipFill>
-          <a:blip r:embed="rId2"/>
+          <a:blip r:embed="rId3"/>
           <a:stretch>
             <a:fillRect/>
           </a:stretch>
@@ -6969,7 +7407,7 @@
           <p:nvPr/>
         </p:nvPicPr>
         <p:blipFill>
-          <a:blip r:embed="rId2"/>
+          <a:blip r:embed="rId3"/>
           <a:stretch>
             <a:fillRect/>
           </a:stretch>
@@ -7036,7 +7474,7 @@
           <p:nvPr/>
         </p:nvPicPr>
         <p:blipFill>
-          <a:blip r:embed="rId2"/>
+          <a:blip r:embed="rId3"/>
           <a:stretch>
             <a:fillRect/>
           </a:stretch>
@@ -7705,4 +8143,324 @@
   </a:objectDefaults>
   <a:extraClrSchemeLst/>
 </a:theme>
+</file>
+
+<file path=ppt/theme/theme2.xml><?xml version="1.0" encoding="utf-8"?>
+<a:theme xmlns:a="http://schemas.openxmlformats.org/drawingml/2006/main" name="Office Theme">
+  <a:themeElements>
+    <a:clrScheme name="Office">
+      <a:dk1>
+        <a:sysClr val="windowText" lastClr="000000"/>
+      </a:dk1>
+      <a:lt1>
+        <a:sysClr val="window" lastClr="FFFFFF"/>
+      </a:lt1>
+      <a:dk2>
+        <a:srgbClr val="1F497D"/>
+      </a:dk2>
+      <a:lt2>
+        <a:srgbClr val="EEECE1"/>
+      </a:lt2>
+      <a:accent1>
+        <a:srgbClr val="4F81BD"/>
+      </a:accent1>
+      <a:accent2>
+        <a:srgbClr val="C0504D"/>
+      </a:accent2>
+      <a:accent3>
+        <a:srgbClr val="9BBB59"/>
+      </a:accent3>
+      <a:accent4>
+        <a:srgbClr val="8064A2"/>
+      </a:accent4>
+      <a:accent5>
+        <a:srgbClr val="4BACC6"/>
+      </a:accent5>
+      <a:accent6>
+        <a:srgbClr val="F79646"/>
+      </a:accent6>
+      <a:hlink>
+        <a:srgbClr val="0000FF"/>
+      </a:hlink>
+      <a:folHlink>
+        <a:srgbClr val="800080"/>
+      </a:folHlink>
+    </a:clrScheme>
+    <a:fontScheme name="Office">
+      <a:majorFont>
+        <a:latin typeface="Calibri"/>
+        <a:ea typeface=""/>
+        <a:cs typeface=""/>
+        <a:font script="Jpan" typeface="ＭＳ Ｐゴシック"/>
+        <a:font script="Hang" typeface="맑은 고딕"/>
+        <a:font script="Hans" typeface="宋体"/>
+        <a:font script="Hant" typeface="新細明體"/>
+        <a:font script="Arab" typeface="Times New Roman"/>
+        <a:font script="Hebr" typeface="Times New Roman"/>
+        <a:font script="Thai" typeface="Angsana New"/>
+        <a:font script="Ethi" typeface="Nyala"/>
+        <a:font script="Beng" typeface="Vrinda"/>
+        <a:font script="Gujr" typeface="Shruti"/>
+        <a:font script="Khmr" typeface="MoolBoran"/>
+        <a:font script="Knda" typeface="Tunga"/>
+        <a:font script="Guru" typeface="Raavi"/>
+        <a:font script="Cans" typeface="Euphemia"/>
+        <a:font script="Cher" typeface="Plantagenet Cherokee"/>
+        <a:font script="Yiii" typeface="Microsoft Yi Baiti"/>
+        <a:font script="Tibt" typeface="Microsoft Himalaya"/>
+        <a:font script="Thaa" typeface="MV Boli"/>
+        <a:font script="Deva" typeface="Mangal"/>
+        <a:font script="Telu" typeface="Gautami"/>
+        <a:font script="Taml" typeface="Latha"/>
+        <a:font script="Syrc" typeface="Estrangelo Edessa"/>
+        <a:font script="Orya" typeface="Kalinga"/>
+        <a:font script="Mlym" typeface="Kartika"/>
+        <a:font script="Laoo" typeface="DokChampa"/>
+        <a:font script="Sinh" typeface="Iskoola Pota"/>
+        <a:font script="Mong" typeface="Mongolian Baiti"/>
+        <a:font script="Viet" typeface="Times New Roman"/>
+        <a:font script="Uigh" typeface="Microsoft Uighur"/>
+        <a:font script="Geor" typeface="Sylfaen"/>
+      </a:majorFont>
+      <a:minorFont>
+        <a:latin typeface="Calibri"/>
+        <a:ea typeface=""/>
+        <a:cs typeface=""/>
+        <a:font script="Jpan" typeface="ＭＳ Ｐゴシック"/>
+        <a:font script="Hang" typeface="맑은 고딕"/>
+        <a:font script="Hans" typeface="宋体"/>
+        <a:font script="Hant" typeface="新細明體"/>
+        <a:font script="Arab" typeface="Arial"/>
+        <a:font script="Hebr" typeface="Arial"/>
+        <a:font script="Thai" typeface="Cordia New"/>
+        <a:font script="Ethi" typeface="Nyala"/>
+        <a:font script="Beng" typeface="Vrinda"/>
+        <a:font script="Gujr" typeface="Shruti"/>
+        <a:font script="Khmr" typeface="DaunPenh"/>
+        <a:font script="Knda" typeface="Tunga"/>
+        <a:font script="Guru" typeface="Raavi"/>
+        <a:font script="Cans" typeface="Euphemia"/>
+        <a:font script="Cher" typeface="Plantagenet Cherokee"/>
+        <a:font script="Yiii" typeface="Microsoft Yi Baiti"/>
+        <a:font script="Tibt" typeface="Microsoft Himalaya"/>
+        <a:font script="Thaa" typeface="MV Boli"/>
+        <a:font script="Deva" typeface="Mangal"/>
+        <a:font script="Telu" typeface="Gautami"/>
+        <a:font script="Taml" typeface="Latha"/>
+        <a:font script="Syrc" typeface="Estrangelo Edessa"/>
+        <a:font script="Orya" typeface="Kalinga"/>
+        <a:font script="Mlym" typeface="Kartika"/>
+        <a:font script="Laoo" typeface="DokChampa"/>
+        <a:font script="Sinh" typeface="Iskoola Pota"/>
+        <a:font script="Mong" typeface="Mongolian Baiti"/>
+        <a:font script="Viet" typeface="Arial"/>
+        <a:font script="Uigh" typeface="Microsoft Uighur"/>
+        <a:font script="Geor" typeface="Sylfaen"/>
+      </a:minorFont>
+    </a:fontScheme>
+    <a:fmtScheme name="Office">
+      <a:fillStyleLst>
+        <a:solidFill>
+          <a:schemeClr val="phClr"/>
+        </a:solidFill>
+        <a:gradFill rotWithShape="1">
+          <a:gsLst>
+            <a:gs pos="0">
+              <a:schemeClr val="phClr">
+                <a:tint val="50000"/>
+                <a:satMod val="300000"/>
+              </a:schemeClr>
+            </a:gs>
+            <a:gs pos="35000">
+              <a:schemeClr val="phClr">
+                <a:tint val="37000"/>
+                <a:satMod val="300000"/>
+              </a:schemeClr>
+            </a:gs>
+            <a:gs pos="100000">
+              <a:schemeClr val="phClr">
+                <a:tint val="15000"/>
+                <a:satMod val="350000"/>
+              </a:schemeClr>
+            </a:gs>
+          </a:gsLst>
+          <a:lin ang="16200000" scaled="1"/>
+        </a:gradFill>
+        <a:gradFill rotWithShape="1">
+          <a:gsLst>
+            <a:gs pos="0">
+              <a:schemeClr val="phClr">
+                <a:tint val="100000"/>
+                <a:shade val="100000"/>
+                <a:satMod val="130000"/>
+              </a:schemeClr>
+            </a:gs>
+            <a:gs pos="100000">
+              <a:schemeClr val="phClr">
+                <a:tint val="50000"/>
+                <a:shade val="100000"/>
+                <a:satMod val="350000"/>
+              </a:schemeClr>
+            </a:gs>
+          </a:gsLst>
+          <a:lin ang="16200000" scaled="0"/>
+        </a:gradFill>
+      </a:fillStyleLst>
+      <a:lnStyleLst>
+        <a:ln w="9525" cap="flat" cmpd="sng" algn="ctr">
+          <a:solidFill>
+            <a:schemeClr val="phClr">
+              <a:shade val="95000"/>
+              <a:satMod val="105000"/>
+            </a:schemeClr>
+          </a:solidFill>
+          <a:prstDash val="solid"/>
+        </a:ln>
+        <a:ln w="25400" cap="flat" cmpd="sng" algn="ctr">
+          <a:solidFill>
+            <a:schemeClr val="phClr"/>
+          </a:solidFill>
+          <a:prstDash val="solid"/>
+        </a:ln>
+        <a:ln w="38100" cap="flat" cmpd="sng" algn="ctr">
+          <a:solidFill>
+            <a:schemeClr val="phClr"/>
+          </a:solidFill>
+          <a:prstDash val="solid"/>
+        </a:ln>
+      </a:lnStyleLst>
+      <a:effectStyleLst>
+        <a:effectStyle>
+          <a:effectLst>
+            <a:outerShdw blurRad="40000" dist="20000" dir="5400000" rotWithShape="0">
+              <a:srgbClr val="000000">
+                <a:alpha val="38000"/>
+              </a:srgbClr>
+            </a:outerShdw>
+          </a:effectLst>
+        </a:effectStyle>
+        <a:effectStyle>
+          <a:effectLst>
+            <a:outerShdw blurRad="40000" dist="23000" dir="5400000" rotWithShape="0">
+              <a:srgbClr val="000000">
+                <a:alpha val="35000"/>
+              </a:srgbClr>
+            </a:outerShdw>
+          </a:effectLst>
+        </a:effectStyle>
+        <a:effectStyle>
+          <a:effectLst>
+            <a:outerShdw blurRad="40000" dist="23000" dir="5400000" rotWithShape="0">
+              <a:srgbClr val="000000">
+                <a:alpha val="35000"/>
+              </a:srgbClr>
+            </a:outerShdw>
+          </a:effectLst>
+          <a:scene3d>
+            <a:camera prst="orthographicFront">
+              <a:rot lat="0" lon="0" rev="0"/>
+            </a:camera>
+            <a:lightRig rig="threePt" dir="t">
+              <a:rot lat="0" lon="0" rev="1200000"/>
+            </a:lightRig>
+          </a:scene3d>
+          <a:sp3d>
+            <a:bevelT w="63500" h="25400"/>
+          </a:sp3d>
+        </a:effectStyle>
+      </a:effectStyleLst>
+      <a:bgFillStyleLst>
+        <a:solidFill>
+          <a:schemeClr val="phClr"/>
+        </a:solidFill>
+        <a:gradFill rotWithShape="1">
+          <a:gsLst>
+            <a:gs pos="0">
+              <a:schemeClr val="phClr">
+                <a:tint val="40000"/>
+                <a:satMod val="350000"/>
+              </a:schemeClr>
+            </a:gs>
+            <a:gs pos="40000">
+              <a:schemeClr val="phClr">
+                <a:tint val="45000"/>
+                <a:shade val="99000"/>
+                <a:satMod val="350000"/>
+              </a:schemeClr>
+            </a:gs>
+            <a:gs pos="100000">
+              <a:schemeClr val="phClr">
+                <a:shade val="20000"/>
+                <a:satMod val="255000"/>
+              </a:schemeClr>
+            </a:gs>
+          </a:gsLst>
+          <a:path path="circle">
+            <a:fillToRect l="50000" t="-80000" r="50000" b="180000"/>
+          </a:path>
+        </a:gradFill>
+        <a:gradFill rotWithShape="1">
+          <a:gsLst>
+            <a:gs pos="0">
+              <a:schemeClr val="phClr">
+                <a:tint val="80000"/>
+                <a:satMod val="300000"/>
+              </a:schemeClr>
+            </a:gs>
+            <a:gs pos="100000">
+              <a:schemeClr val="phClr">
+                <a:shade val="30000"/>
+                <a:satMod val="200000"/>
+              </a:schemeClr>
+            </a:gs>
+          </a:gsLst>
+          <a:path path="circle">
+            <a:fillToRect l="50000" t="50000" r="50000" b="50000"/>
+          </a:path>
+        </a:gradFill>
+      </a:bgFillStyleLst>
+    </a:fmtScheme>
+  </a:themeElements>
+  <a:objectDefaults>
+    <a:spDef>
+      <a:spPr/>
+      <a:bodyPr/>
+      <a:lstStyle/>
+      <a:style>
+        <a:lnRef idx="1">
+          <a:schemeClr val="accent1"/>
+        </a:lnRef>
+        <a:fillRef idx="3">
+          <a:schemeClr val="accent1"/>
+        </a:fillRef>
+        <a:effectRef idx="2">
+          <a:schemeClr val="accent1"/>
+        </a:effectRef>
+        <a:fontRef idx="minor">
+          <a:schemeClr val="lt1"/>
+        </a:fontRef>
+      </a:style>
+    </a:spDef>
+    <a:lnDef>
+      <a:spPr/>
+      <a:bodyPr/>
+      <a:lstStyle/>
+      <a:style>
+        <a:lnRef idx="2">
+          <a:schemeClr val="accent1"/>
+        </a:lnRef>
+        <a:fillRef idx="0">
+          <a:schemeClr val="accent1"/>
+        </a:fillRef>
+        <a:effectRef idx="1">
+          <a:schemeClr val="accent1"/>
+        </a:effectRef>
+        <a:fontRef idx="minor">
+          <a:schemeClr val="tx1"/>
+        </a:fontRef>
+      </a:style>
+    </a:lnDef>
+  </a:objectDefaults>
+  <a:extraClrSchemeLst/>
+</a:theme>
 </file>